--- a/Docs/Presentación.pptx
+++ b/Docs/Presentación.pptx
@@ -13,12 +13,12 @@
     <p:sldId id="261" r:id="rId4"/>
     <p:sldId id="263" r:id="rId5"/>
     <p:sldId id="257" r:id="rId6"/>
-    <p:sldId id="258" r:id="rId7"/>
-    <p:sldId id="259" r:id="rId8"/>
-    <p:sldId id="262" r:id="rId9"/>
-    <p:sldId id="264" r:id="rId10"/>
-    <p:sldId id="265" r:id="rId11"/>
-    <p:sldId id="271" r:id="rId12"/>
+    <p:sldId id="278" r:id="rId7"/>
+    <p:sldId id="262" r:id="rId8"/>
+    <p:sldId id="264" r:id="rId9"/>
+    <p:sldId id="265" r:id="rId10"/>
+    <p:sldId id="271" r:id="rId11"/>
+    <p:sldId id="277" r:id="rId12"/>
     <p:sldId id="266" r:id="rId13"/>
     <p:sldId id="272" r:id="rId14"/>
     <p:sldId id="267" r:id="rId15"/>
@@ -212,7 +212,7 @@
           <a:p>
             <a:fld id="{57585625-6BA1-4E81-8106-5F23DF2D8F17}" type="datetimeFigureOut">
               <a:rPr lang="es-ES" smtClean="0"/>
-              <a:t>09/09/2015</a:t>
+              <a:t>10/09/2015</a:t>
             </a:fld>
             <a:endParaRPr lang="es-ES"/>
           </a:p>
@@ -661,7 +661,7 @@
           <a:p>
             <a:fld id="{960CD785-51AC-4BC4-B43B-0C68B2A49BEF}" type="datetimeFigureOut">
               <a:rPr lang="es-ES" smtClean="0"/>
-              <a:t>09/09/2015</a:t>
+              <a:t>10/09/2015</a:t>
             </a:fld>
             <a:endParaRPr lang="es-ES"/>
           </a:p>
@@ -831,7 +831,7 @@
           <a:p>
             <a:fld id="{960CD785-51AC-4BC4-B43B-0C68B2A49BEF}" type="datetimeFigureOut">
               <a:rPr lang="es-ES" smtClean="0"/>
-              <a:t>09/09/2015</a:t>
+              <a:t>10/09/2015</a:t>
             </a:fld>
             <a:endParaRPr lang="es-ES"/>
           </a:p>
@@ -1011,7 +1011,7 @@
           <a:p>
             <a:fld id="{960CD785-51AC-4BC4-B43B-0C68B2A49BEF}" type="datetimeFigureOut">
               <a:rPr lang="es-ES" smtClean="0"/>
-              <a:t>09/09/2015</a:t>
+              <a:t>10/09/2015</a:t>
             </a:fld>
             <a:endParaRPr lang="es-ES"/>
           </a:p>
@@ -1181,7 +1181,7 @@
           <a:p>
             <a:fld id="{960CD785-51AC-4BC4-B43B-0C68B2A49BEF}" type="datetimeFigureOut">
               <a:rPr lang="es-ES" smtClean="0"/>
-              <a:t>09/09/2015</a:t>
+              <a:t>10/09/2015</a:t>
             </a:fld>
             <a:endParaRPr lang="es-ES"/>
           </a:p>
@@ -1427,7 +1427,7 @@
           <a:p>
             <a:fld id="{960CD785-51AC-4BC4-B43B-0C68B2A49BEF}" type="datetimeFigureOut">
               <a:rPr lang="es-ES" smtClean="0"/>
-              <a:t>09/09/2015</a:t>
+              <a:t>10/09/2015</a:t>
             </a:fld>
             <a:endParaRPr lang="es-ES"/>
           </a:p>
@@ -1715,7 +1715,7 @@
           <a:p>
             <a:fld id="{960CD785-51AC-4BC4-B43B-0C68B2A49BEF}" type="datetimeFigureOut">
               <a:rPr lang="es-ES" smtClean="0"/>
-              <a:t>09/09/2015</a:t>
+              <a:t>10/09/2015</a:t>
             </a:fld>
             <a:endParaRPr lang="es-ES"/>
           </a:p>
@@ -2137,7 +2137,7 @@
           <a:p>
             <a:fld id="{960CD785-51AC-4BC4-B43B-0C68B2A49BEF}" type="datetimeFigureOut">
               <a:rPr lang="es-ES" smtClean="0"/>
-              <a:t>09/09/2015</a:t>
+              <a:t>10/09/2015</a:t>
             </a:fld>
             <a:endParaRPr lang="es-ES"/>
           </a:p>
@@ -2255,7 +2255,7 @@
           <a:p>
             <a:fld id="{960CD785-51AC-4BC4-B43B-0C68B2A49BEF}" type="datetimeFigureOut">
               <a:rPr lang="es-ES" smtClean="0"/>
-              <a:t>09/09/2015</a:t>
+              <a:t>10/09/2015</a:t>
             </a:fld>
             <a:endParaRPr lang="es-ES"/>
           </a:p>
@@ -2350,7 +2350,7 @@
           <a:p>
             <a:fld id="{960CD785-51AC-4BC4-B43B-0C68B2A49BEF}" type="datetimeFigureOut">
               <a:rPr lang="es-ES" smtClean="0"/>
-              <a:t>09/09/2015</a:t>
+              <a:t>10/09/2015</a:t>
             </a:fld>
             <a:endParaRPr lang="es-ES"/>
           </a:p>
@@ -2627,7 +2627,7 @@
           <a:p>
             <a:fld id="{960CD785-51AC-4BC4-B43B-0C68B2A49BEF}" type="datetimeFigureOut">
               <a:rPr lang="es-ES" smtClean="0"/>
-              <a:t>09/09/2015</a:t>
+              <a:t>10/09/2015</a:t>
             </a:fld>
             <a:endParaRPr lang="es-ES"/>
           </a:p>
@@ -2880,7 +2880,7 @@
           <a:p>
             <a:fld id="{960CD785-51AC-4BC4-B43B-0C68B2A49BEF}" type="datetimeFigureOut">
               <a:rPr lang="es-ES" smtClean="0"/>
-              <a:t>09/09/2015</a:t>
+              <a:t>10/09/2015</a:t>
             </a:fld>
             <a:endParaRPr lang="es-ES"/>
           </a:p>
@@ -3093,7 +3093,7 @@
           <a:p>
             <a:fld id="{960CD785-51AC-4BC4-B43B-0C68B2A49BEF}" type="datetimeFigureOut">
               <a:rPr lang="es-ES" smtClean="0"/>
-              <a:t>09/09/2015</a:t>
+              <a:t>10/09/2015</a:t>
             </a:fld>
             <a:endParaRPr lang="es-ES"/>
           </a:p>
@@ -3582,145 +3582,14 @@
       </p:grpSpPr>
       <p:sp>
         <p:nvSpPr>
-          <p:cNvPr id="3" name="2 Marcador de contenido"/>
-          <p:cNvSpPr>
-            <a:spLocks noGrp="1"/>
-          </p:cNvSpPr>
-          <p:nvPr>
-            <p:ph idx="1"/>
-          </p:nvPr>
+          <p:cNvPr id="5" name="4 CuadroTexto"/>
+          <p:cNvSpPr txBox="1"/>
+          <p:nvPr/>
         </p:nvSpPr>
         <p:spPr>
           <a:xfrm>
-            <a:off x="539552" y="1628800"/>
-            <a:ext cx="8229600" cy="4525963"/>
-          </a:xfrm>
-        </p:spPr>
-        <p:txBody>
-          <a:bodyPr>
-            <a:normAutofit lnSpcReduction="10000"/>
-          </a:bodyPr>
-          <a:lstStyle/>
-          <a:p>
-            <a:pPr>
-              <a:buFont typeface="Wingdings" panose="05000000000000000000" pitchFamily="2" charset="2"/>
-              <a:buChar char="§"/>
-            </a:pPr>
-            <a:r>
-              <a:rPr lang="es-ES" dirty="0" smtClean="0"/>
-              <a:t>¿Qué es </a:t>
-            </a:r>
-            <a:r>
-              <a:rPr lang="es-ES" dirty="0" err="1" smtClean="0"/>
-              <a:t>Predictorum</a:t>
-            </a:r>
-            <a:r>
-              <a:rPr lang="es-ES" dirty="0" smtClean="0"/>
-              <a:t>?</a:t>
-            </a:r>
-          </a:p>
-          <a:p>
-            <a:pPr>
-              <a:buFont typeface="Wingdings" panose="05000000000000000000" pitchFamily="2" charset="2"/>
-              <a:buChar char="§"/>
-            </a:pPr>
-            <a:r>
-              <a:rPr lang="es-ES" b="1" dirty="0" smtClean="0">
-                <a:solidFill>
-                  <a:srgbClr val="92D050"/>
-                </a:solidFill>
-              </a:rPr>
-              <a:t>Detalles técnicos</a:t>
-            </a:r>
-          </a:p>
-          <a:p>
-            <a:pPr lvl="1">
-              <a:buFont typeface="Wingdings" panose="05000000000000000000" pitchFamily="2" charset="2"/>
-              <a:buChar char="§"/>
-            </a:pPr>
-            <a:r>
-              <a:rPr lang="es-ES" dirty="0" smtClean="0"/>
-              <a:t>Planificación</a:t>
-            </a:r>
-          </a:p>
-          <a:p>
-            <a:pPr lvl="1">
-              <a:buFont typeface="Wingdings" panose="05000000000000000000" pitchFamily="2" charset="2"/>
-              <a:buChar char="§"/>
-            </a:pPr>
-            <a:r>
-              <a:rPr lang="es-ES" b="1" dirty="0" smtClean="0">
-                <a:solidFill>
-                  <a:srgbClr val="92D050"/>
-                </a:solidFill>
-              </a:rPr>
-              <a:t>Requisitos</a:t>
-            </a:r>
-          </a:p>
-          <a:p>
-            <a:pPr lvl="1">
-              <a:buFont typeface="Wingdings" panose="05000000000000000000" pitchFamily="2" charset="2"/>
-              <a:buChar char="§"/>
-            </a:pPr>
-            <a:r>
-              <a:rPr lang="es-ES" dirty="0" smtClean="0"/>
-              <a:t>Análisis</a:t>
-            </a:r>
-          </a:p>
-          <a:p>
-            <a:pPr lvl="1">
-              <a:buFont typeface="Wingdings" panose="05000000000000000000" pitchFamily="2" charset="2"/>
-              <a:buChar char="§"/>
-            </a:pPr>
-            <a:r>
-              <a:rPr lang="es-ES" dirty="0" smtClean="0"/>
-              <a:t>Diseño</a:t>
-            </a:r>
-          </a:p>
-          <a:p>
-            <a:pPr lvl="1">
-              <a:buFont typeface="Wingdings" panose="05000000000000000000" pitchFamily="2" charset="2"/>
-              <a:buChar char="§"/>
-            </a:pPr>
-            <a:r>
-              <a:rPr lang="es-ES" dirty="0" smtClean="0"/>
-              <a:t>Implementación</a:t>
-            </a:r>
-            <a:endParaRPr lang="es-ES" dirty="0"/>
-          </a:p>
-          <a:p>
-            <a:pPr>
-              <a:buFont typeface="Wingdings" panose="05000000000000000000" pitchFamily="2" charset="2"/>
-              <a:buChar char="§"/>
-            </a:pPr>
-            <a:r>
-              <a:rPr lang="es-ES" dirty="0" smtClean="0"/>
-              <a:t>Resultado</a:t>
-            </a:r>
-          </a:p>
-          <a:p>
-            <a:pPr>
-              <a:buFont typeface="Wingdings" panose="05000000000000000000" pitchFamily="2" charset="2"/>
-              <a:buChar char="§"/>
-            </a:pPr>
-            <a:r>
-              <a:rPr lang="es-ES" dirty="0" smtClean="0"/>
-              <a:t>Conclusiones</a:t>
-            </a:r>
-            <a:endParaRPr lang="es-ES" dirty="0"/>
-          </a:p>
-        </p:txBody>
-      </p:sp>
-      <p:sp>
-        <p:nvSpPr>
-          <p:cNvPr id="4" name="3 CuadroTexto"/>
-          <p:cNvSpPr txBox="1"/>
-          <p:nvPr/>
-        </p:nvSpPr>
-        <p:spPr>
-          <a:xfrm>
-            <a:off x="683568" y="728789"/>
-            <a:ext cx="8731299" cy="830997"/>
+            <a:off x="323528" y="260648"/>
+            <a:ext cx="8496944" cy="769441"/>
           </a:xfrm>
           <a:prstGeom prst="rect">
             <a:avLst/>
@@ -3733,13 +3602,14 @@
           </a:bodyPr>
           <a:lstStyle/>
           <a:p>
-            <a:r>
-              <a:rPr lang="es-ES" sz="4800" b="1" dirty="0" smtClean="0">
+            <a:pPr algn="ctr"/>
+            <a:r>
+              <a:rPr lang="es-ES" sz="4400" b="1" dirty="0" smtClean="0">
                 <a:latin typeface="+mj-lt"/>
               </a:rPr>
-              <a:t>ÍNDICE</a:t>
-            </a:r>
-            <a:endParaRPr lang="es-ES" sz="4800" b="1" dirty="0">
+              <a:t>REQUISITOS</a:t>
+            </a:r>
+            <a:endParaRPr lang="es-ES" sz="4400" b="1" dirty="0">
               <a:latin typeface="+mj-lt"/>
             </a:endParaRPr>
           </a:p>
@@ -3748,7 +3618,7 @@
     </p:spTree>
     <p:extLst>
       <p:ext uri="{BB962C8B-B14F-4D97-AF65-F5344CB8AC3E}">
-        <p14:creationId xmlns:p14="http://schemas.microsoft.com/office/powerpoint/2010/main" val="2092746553"/>
+        <p14:creationId xmlns:p14="http://schemas.microsoft.com/office/powerpoint/2010/main" val="1248174384"/>
       </p:ext>
     </p:extLst>
   </p:cSld>
@@ -3782,52 +3652,129 @@
           <a:chExt cx="0" cy="0"/>
         </a:xfrm>
       </p:grpSpPr>
-      <p:sp>
-        <p:nvSpPr>
-          <p:cNvPr id="2" name="1 Título"/>
-          <p:cNvSpPr>
-            <a:spLocks noGrp="1"/>
-          </p:cNvSpPr>
-          <p:nvPr>
-            <p:ph type="title"/>
-          </p:nvPr>
-        </p:nvSpPr>
-        <p:spPr/>
-        <p:txBody>
-          <a:bodyPr/>
-          <a:lstStyle/>
-          <a:p>
-            <a:r>
-              <a:rPr lang="es-ES" dirty="0" smtClean="0"/>
-              <a:t>Requisitos</a:t>
-            </a:r>
-            <a:endParaRPr lang="es-ES" dirty="0"/>
-          </a:p>
-        </p:txBody>
-      </p:sp>
-      <p:sp>
-        <p:nvSpPr>
-          <p:cNvPr id="3" name="2 Marcador de contenido"/>
-          <p:cNvSpPr>
-            <a:spLocks noGrp="1"/>
-          </p:cNvSpPr>
-          <p:nvPr>
-            <p:ph idx="1"/>
-          </p:nvPr>
-        </p:nvSpPr>
-        <p:spPr/>
-        <p:txBody>
-          <a:bodyPr/>
-          <a:lstStyle/>
-          <a:p>
-            <a:endParaRPr lang="es-ES" dirty="0"/>
+      <p:pic>
+        <p:nvPicPr>
+          <p:cNvPr id="3074" name="Picture 2" descr="http://www.singstat.gov.sg/html/DOS/images/others/methods.jpg"/>
+          <p:cNvPicPr>
+            <a:picLocks noChangeAspect="1" noChangeArrowheads="1"/>
+          </p:cNvPicPr>
+          <p:nvPr/>
+        </p:nvPicPr>
+        <p:blipFill>
+          <a:blip r:embed="rId2">
+            <a:extLst>
+              <a:ext uri="{28A0092B-C50C-407E-A947-70E740481C1C}">
+                <a14:useLocalDpi xmlns:a14="http://schemas.microsoft.com/office/drawing/2010/main" val="0"/>
+              </a:ext>
+            </a:extLst>
+          </a:blip>
+          <a:srcRect/>
+          <a:stretch>
+            <a:fillRect/>
+          </a:stretch>
+        </p:blipFill>
+        <p:spPr bwMode="auto">
+          <a:xfrm rot="811029">
+            <a:off x="2052912" y="1035995"/>
+            <a:ext cx="5299688" cy="4335145"/>
+          </a:xfrm>
+          <a:prstGeom prst="rect">
+            <a:avLst/>
+          </a:prstGeom>
+          <a:noFill/>
+          <a:extLst>
+            <a:ext uri="{909E8E84-426E-40DD-AFC4-6F175D3DCCD1}">
+              <a14:hiddenFill xmlns:a14="http://schemas.microsoft.com/office/drawing/2010/main">
+                <a:solidFill>
+                  <a:srgbClr val="FFFFFF"/>
+                </a:solidFill>
+              </a14:hiddenFill>
+            </a:ext>
+          </a:extLst>
+        </p:spPr>
+      </p:pic>
+      <p:sp>
+        <p:nvSpPr>
+          <p:cNvPr id="4" name="3 CuadroTexto"/>
+          <p:cNvSpPr txBox="1"/>
+          <p:nvPr/>
+        </p:nvSpPr>
+        <p:spPr>
+          <a:xfrm>
+            <a:off x="899592" y="4813782"/>
+            <a:ext cx="8064896" cy="769441"/>
+          </a:xfrm>
+          <a:prstGeom prst="rect">
+            <a:avLst/>
+          </a:prstGeom>
+          <a:noFill/>
+        </p:spPr>
+        <p:txBody>
+          <a:bodyPr wrap="square" rtlCol="0">
+            <a:spAutoFit/>
+          </a:bodyPr>
+          <a:lstStyle/>
+          <a:p>
+            <a:r>
+              <a:rPr lang="es-ES" sz="4400" dirty="0">
+                <a:latin typeface="+mj-lt"/>
+              </a:rPr>
+              <a:t>Estadísticas</a:t>
+            </a:r>
+            <a:r>
+              <a:rPr lang="es-ES" sz="4400" dirty="0" smtClean="0">
+                <a:latin typeface="+mj-lt"/>
+              </a:rPr>
+              <a:t> históricas y </a:t>
+            </a:r>
+            <a:r>
+              <a:rPr lang="es-ES" sz="4400" dirty="0">
+                <a:latin typeface="+mj-lt"/>
+              </a:rPr>
+              <a:t>actuales</a:t>
+            </a:r>
+          </a:p>
+        </p:txBody>
+      </p:sp>
+      <p:sp>
+        <p:nvSpPr>
+          <p:cNvPr id="5" name="4 CuadroTexto"/>
+          <p:cNvSpPr txBox="1"/>
+          <p:nvPr/>
+        </p:nvSpPr>
+        <p:spPr>
+          <a:xfrm>
+            <a:off x="323528" y="260648"/>
+            <a:ext cx="8496944" cy="769441"/>
+          </a:xfrm>
+          <a:prstGeom prst="rect">
+            <a:avLst/>
+          </a:prstGeom>
+          <a:noFill/>
+        </p:spPr>
+        <p:txBody>
+          <a:bodyPr wrap="square" rtlCol="0">
+            <a:spAutoFit/>
+          </a:bodyPr>
+          <a:lstStyle/>
+          <a:p>
+            <a:pPr algn="ctr"/>
+            <a:r>
+              <a:rPr lang="es-ES" sz="4400" b="1" dirty="0" smtClean="0">
+                <a:latin typeface="+mj-lt"/>
+              </a:rPr>
+              <a:t>REQUISITOS</a:t>
+            </a:r>
+            <a:endParaRPr lang="es-ES" sz="4400" b="1" dirty="0">
+              <a:latin typeface="+mj-lt"/>
+            </a:endParaRPr>
           </a:p>
         </p:txBody>
       </p:sp>
     </p:spTree>
     <p:extLst>
       <p:ext uri="{BB962C8B-B14F-4D97-AF65-F5344CB8AC3E}">
-        <p14:creationId xmlns:p14="http://schemas.microsoft.com/office/powerpoint/2010/main" val="1248174384"/>
+        <p14:creationId xmlns:p14="http://schemas.microsoft.com/office/powerpoint/2010/main" val="2293142915"/>
       </p:ext>
     </p:extLst>
   </p:cSld>
@@ -5634,7 +5581,7 @@
         </p:blipFill>
         <p:spPr bwMode="auto">
           <a:xfrm>
-            <a:off x="1445206" y="1256747"/>
+            <a:off x="1469164" y="1561682"/>
             <a:ext cx="6032198" cy="3396389"/>
           </a:xfrm>
           <a:prstGeom prst="rect">
@@ -5660,8 +5607,8 @@
         </p:nvSpPr>
         <p:spPr>
           <a:xfrm>
-            <a:off x="2051720" y="5085183"/>
-            <a:ext cx="5184576" cy="769441"/>
+            <a:off x="2053839" y="5373216"/>
+            <a:ext cx="4824536" cy="769441"/>
           </a:xfrm>
           <a:prstGeom prst="rect">
             <a:avLst/>
@@ -5681,6 +5628,41 @@
               <a:t>Inteligencia Artificial</a:t>
             </a:r>
             <a:endParaRPr lang="es-ES" sz="4400" dirty="0">
+              <a:latin typeface="+mj-lt"/>
+            </a:endParaRPr>
+          </a:p>
+        </p:txBody>
+      </p:sp>
+      <p:sp>
+        <p:nvSpPr>
+          <p:cNvPr id="2" name="1 CuadroTexto"/>
+          <p:cNvSpPr txBox="1"/>
+          <p:nvPr/>
+        </p:nvSpPr>
+        <p:spPr>
+          <a:xfrm>
+            <a:off x="323528" y="260648"/>
+            <a:ext cx="8496944" cy="769441"/>
+          </a:xfrm>
+          <a:prstGeom prst="rect">
+            <a:avLst/>
+          </a:prstGeom>
+          <a:noFill/>
+        </p:spPr>
+        <p:txBody>
+          <a:bodyPr wrap="square" rtlCol="0">
+            <a:spAutoFit/>
+          </a:bodyPr>
+          <a:lstStyle/>
+          <a:p>
+            <a:pPr algn="ctr"/>
+            <a:r>
+              <a:rPr lang="es-ES" sz="4400" b="1" dirty="0" smtClean="0">
+                <a:latin typeface="+mj-lt"/>
+              </a:rPr>
+              <a:t>¿QUÉ ES PREDICTORUM?</a:t>
+            </a:r>
+            <a:endParaRPr lang="es-ES" sz="4400" b="1" dirty="0">
               <a:latin typeface="+mj-lt"/>
             </a:endParaRPr>
           </a:p>
@@ -5746,7 +5728,7 @@
         </p:blipFill>
         <p:spPr bwMode="auto">
           <a:xfrm>
-            <a:off x="2435718" y="1342075"/>
+            <a:off x="2435718" y="1844824"/>
             <a:ext cx="4356100" cy="3606800"/>
           </a:xfrm>
           <a:prstGeom prst="rect">
@@ -5785,7 +5767,7 @@
         </p:nvSpPr>
         <p:spPr>
           <a:xfrm>
-            <a:off x="1691680" y="5229199"/>
+            <a:off x="1619672" y="5589240"/>
             <a:ext cx="6768752" cy="769441"/>
           </a:xfrm>
           <a:prstGeom prst="rect">
@@ -5815,6 +5797,41 @@
               </a:rPr>
               <a:t>futbolísticas</a:t>
             </a:r>
+          </a:p>
+        </p:txBody>
+      </p:sp>
+      <p:sp>
+        <p:nvSpPr>
+          <p:cNvPr id="5" name="4 CuadroTexto"/>
+          <p:cNvSpPr txBox="1"/>
+          <p:nvPr/>
+        </p:nvSpPr>
+        <p:spPr>
+          <a:xfrm>
+            <a:off x="323528" y="260648"/>
+            <a:ext cx="8496944" cy="769441"/>
+          </a:xfrm>
+          <a:prstGeom prst="rect">
+            <a:avLst/>
+          </a:prstGeom>
+          <a:noFill/>
+        </p:spPr>
+        <p:txBody>
+          <a:bodyPr wrap="square" rtlCol="0">
+            <a:spAutoFit/>
+          </a:bodyPr>
+          <a:lstStyle/>
+          <a:p>
+            <a:pPr algn="ctr"/>
+            <a:r>
+              <a:rPr lang="es-ES" sz="4400" b="1" dirty="0" smtClean="0">
+                <a:latin typeface="+mj-lt"/>
+              </a:rPr>
+              <a:t>¿QUÉ ES PREDICTORUM?</a:t>
+            </a:r>
+            <a:endParaRPr lang="es-ES" sz="4400" b="1" dirty="0">
+              <a:latin typeface="+mj-lt"/>
+            </a:endParaRPr>
           </a:p>
         </p:txBody>
       </p:sp>
@@ -5857,14 +5874,14 @@
       </p:grpSpPr>
       <p:pic>
         <p:nvPicPr>
-          <p:cNvPr id="3074" name="Picture 2" descr="http://www.singstat.gov.sg/html/DOS/images/others/methods.jpg"/>
+          <p:cNvPr id="4098" name="Picture 2" descr="http://socialmediaimpact.com/wp-content/uploads/2013/10/social-media.jpg"/>
           <p:cNvPicPr>
             <a:picLocks noChangeAspect="1" noChangeArrowheads="1"/>
           </p:cNvPicPr>
           <p:nvPr/>
         </p:nvPicPr>
         <p:blipFill>
-          <a:blip r:embed="rId2">
+          <a:blip r:embed="rId2" cstate="print">
             <a:extLst>
               <a:ext uri="{28A0092B-C50C-407E-A947-70E740481C1C}">
                 <a14:useLocalDpi xmlns:a14="http://schemas.microsoft.com/office/drawing/2010/main" val="0"/>
@@ -5877,9 +5894,9 @@
           </a:stretch>
         </p:blipFill>
         <p:spPr bwMode="auto">
-          <a:xfrm rot="811029">
-            <a:off x="2052912" y="1035995"/>
-            <a:ext cx="5299688" cy="4335145"/>
+          <a:xfrm>
+            <a:off x="1403648" y="1244695"/>
+            <a:ext cx="6387686" cy="4627021"/>
           </a:xfrm>
           <a:prstGeom prst="rect">
             <a:avLst/>
@@ -5904,8 +5921,8 @@
         </p:nvSpPr>
         <p:spPr>
           <a:xfrm>
-            <a:off x="899592" y="4813782"/>
-            <a:ext cx="8064896" cy="769441"/>
+            <a:off x="2051720" y="5837234"/>
+            <a:ext cx="6387686" cy="769441"/>
           </a:xfrm>
           <a:prstGeom prst="rect">
             <a:avLst/>
@@ -5919,30 +5936,52 @@
           <a:lstStyle/>
           <a:p>
             <a:r>
-              <a:rPr lang="es-ES" sz="4400" dirty="0">
+              <a:rPr lang="es-ES" sz="4400" dirty="0" smtClean="0"/>
+              <a:t>Carácter social añadido</a:t>
+            </a:r>
+            <a:endParaRPr lang="es-ES" sz="4400" dirty="0"/>
+          </a:p>
+        </p:txBody>
+      </p:sp>
+      <p:sp>
+        <p:nvSpPr>
+          <p:cNvPr id="5" name="4 CuadroTexto"/>
+          <p:cNvSpPr txBox="1"/>
+          <p:nvPr/>
+        </p:nvSpPr>
+        <p:spPr>
+          <a:xfrm>
+            <a:off x="323528" y="260648"/>
+            <a:ext cx="8496944" cy="769441"/>
+          </a:xfrm>
+          <a:prstGeom prst="rect">
+            <a:avLst/>
+          </a:prstGeom>
+          <a:noFill/>
+        </p:spPr>
+        <p:txBody>
+          <a:bodyPr wrap="square" rtlCol="0">
+            <a:spAutoFit/>
+          </a:bodyPr>
+          <a:lstStyle/>
+          <a:p>
+            <a:pPr algn="ctr"/>
+            <a:r>
+              <a:rPr lang="es-ES" sz="4400" b="1" dirty="0" smtClean="0">
                 <a:latin typeface="+mj-lt"/>
               </a:rPr>
-              <a:t>Estadísticas</a:t>
-            </a:r>
-            <a:r>
-              <a:rPr lang="es-ES" sz="4400" dirty="0" smtClean="0">
-                <a:latin typeface="+mj-lt"/>
-              </a:rPr>
-              <a:t> históricas y </a:t>
-            </a:r>
-            <a:r>
-              <a:rPr lang="es-ES" sz="4400" dirty="0">
-                <a:latin typeface="+mj-lt"/>
-              </a:rPr>
-              <a:t>actuales</a:t>
-            </a:r>
+              <a:t>¿QUÉ ES PREDICTORUM?</a:t>
+            </a:r>
+            <a:endParaRPr lang="es-ES" sz="4400" b="1" dirty="0">
+              <a:latin typeface="+mj-lt"/>
+            </a:endParaRPr>
           </a:p>
         </p:txBody>
       </p:sp>
     </p:spTree>
     <p:extLst>
       <p:ext uri="{BB962C8B-B14F-4D97-AF65-F5344CB8AC3E}">
-        <p14:creationId xmlns:p14="http://schemas.microsoft.com/office/powerpoint/2010/main" val="1393943614"/>
+        <p14:creationId xmlns:p14="http://schemas.microsoft.com/office/powerpoint/2010/main" val="1366395330"/>
       </p:ext>
     </p:extLst>
   </p:cSld>
@@ -5976,47 +6015,137 @@
           <a:chExt cx="0" cy="0"/>
         </a:xfrm>
       </p:grpSpPr>
-      <p:pic>
-        <p:nvPicPr>
-          <p:cNvPr id="4098" name="Picture 2" descr="http://socialmediaimpact.com/wp-content/uploads/2013/10/social-media.jpg"/>
-          <p:cNvPicPr>
-            <a:picLocks noChangeAspect="1" noChangeArrowheads="1"/>
-          </p:cNvPicPr>
-          <p:nvPr/>
-        </p:nvPicPr>
-        <p:blipFill>
-          <a:blip r:embed="rId2" cstate="print">
-            <a:extLst>
-              <a:ext uri="{28A0092B-C50C-407E-A947-70E740481C1C}">
-                <a14:useLocalDpi xmlns:a14="http://schemas.microsoft.com/office/drawing/2010/main" val="0"/>
-              </a:ext>
-            </a:extLst>
-          </a:blip>
-          <a:srcRect/>
-          <a:stretch>
-            <a:fillRect/>
-          </a:stretch>
-        </p:blipFill>
-        <p:spPr bwMode="auto">
+      <p:sp>
+        <p:nvSpPr>
+          <p:cNvPr id="3" name="2 Marcador de contenido"/>
+          <p:cNvSpPr>
+            <a:spLocks noGrp="1"/>
+          </p:cNvSpPr>
+          <p:nvPr>
+            <p:ph idx="1"/>
+          </p:nvPr>
+        </p:nvSpPr>
+        <p:spPr>
           <a:xfrm>
-            <a:off x="1475656" y="797868"/>
-            <a:ext cx="6387686" cy="4627021"/>
+            <a:off x="539552" y="1628800"/>
+            <a:ext cx="8229600" cy="4525963"/>
           </a:xfrm>
-          <a:prstGeom prst="rect">
-            <a:avLst/>
-          </a:prstGeom>
-          <a:noFill/>
-          <a:extLst>
-            <a:ext uri="{909E8E84-426E-40DD-AFC4-6F175D3DCCD1}">
-              <a14:hiddenFill xmlns:a14="http://schemas.microsoft.com/office/drawing/2010/main">
+        </p:spPr>
+        <p:txBody>
+          <a:bodyPr>
+            <a:normAutofit lnSpcReduction="10000"/>
+          </a:bodyPr>
+          <a:lstStyle/>
+          <a:p>
+            <a:pPr>
+              <a:buFont typeface="Wingdings" panose="05000000000000000000" pitchFamily="2" charset="2"/>
+              <a:buChar char="§"/>
+            </a:pPr>
+            <a:r>
+              <a:rPr lang="es-ES" dirty="0" smtClean="0"/>
+              <a:t>¿Qué es </a:t>
+            </a:r>
+            <a:r>
+              <a:rPr lang="es-ES" dirty="0" err="1" smtClean="0"/>
+              <a:t>Predictorum</a:t>
+            </a:r>
+            <a:r>
+              <a:rPr lang="es-ES" dirty="0" smtClean="0"/>
+              <a:t>?</a:t>
+            </a:r>
+          </a:p>
+          <a:p>
+            <a:pPr>
+              <a:buFont typeface="Wingdings" panose="05000000000000000000" pitchFamily="2" charset="2"/>
+              <a:buChar char="§"/>
+            </a:pPr>
+            <a:r>
+              <a:rPr lang="es-ES" b="1" dirty="0" smtClean="0">
                 <a:solidFill>
-                  <a:srgbClr val="FFFFFF"/>
+                  <a:srgbClr val="92D050"/>
                 </a:solidFill>
-              </a14:hiddenFill>
-            </a:ext>
-          </a:extLst>
-        </p:spPr>
-      </p:pic>
+              </a:rPr>
+              <a:t>Detalles técnicos</a:t>
+            </a:r>
+          </a:p>
+          <a:p>
+            <a:pPr lvl="1">
+              <a:buFont typeface="Wingdings" panose="05000000000000000000" pitchFamily="2" charset="2"/>
+              <a:buChar char="§"/>
+            </a:pPr>
+            <a:r>
+              <a:rPr lang="es-ES" b="1" dirty="0" smtClean="0">
+                <a:solidFill>
+                  <a:srgbClr val="92D050"/>
+                </a:solidFill>
+              </a:rPr>
+              <a:t>Planificación</a:t>
+            </a:r>
+          </a:p>
+          <a:p>
+            <a:pPr lvl="1">
+              <a:buFont typeface="Wingdings" panose="05000000000000000000" pitchFamily="2" charset="2"/>
+              <a:buChar char="§"/>
+            </a:pPr>
+            <a:r>
+              <a:rPr lang="es-ES" dirty="0" smtClean="0"/>
+              <a:t>Requisitos</a:t>
+            </a:r>
+          </a:p>
+          <a:p>
+            <a:pPr lvl="1">
+              <a:buFont typeface="Wingdings" panose="05000000000000000000" pitchFamily="2" charset="2"/>
+              <a:buChar char="§"/>
+            </a:pPr>
+            <a:r>
+              <a:rPr lang="es-ES" dirty="0" smtClean="0"/>
+              <a:t>Análisis</a:t>
+            </a:r>
+          </a:p>
+          <a:p>
+            <a:pPr lvl="1">
+              <a:buFont typeface="Wingdings" panose="05000000000000000000" pitchFamily="2" charset="2"/>
+              <a:buChar char="§"/>
+            </a:pPr>
+            <a:r>
+              <a:rPr lang="es-ES" dirty="0" smtClean="0"/>
+              <a:t>Diseño</a:t>
+            </a:r>
+          </a:p>
+          <a:p>
+            <a:pPr lvl="1">
+              <a:buFont typeface="Wingdings" panose="05000000000000000000" pitchFamily="2" charset="2"/>
+              <a:buChar char="§"/>
+            </a:pPr>
+            <a:r>
+              <a:rPr lang="es-ES" dirty="0" smtClean="0"/>
+              <a:t>Implementación</a:t>
+            </a:r>
+            <a:endParaRPr lang="es-ES" dirty="0"/>
+          </a:p>
+          <a:p>
+            <a:pPr>
+              <a:buFont typeface="Wingdings" panose="05000000000000000000" pitchFamily="2" charset="2"/>
+              <a:buChar char="§"/>
+            </a:pPr>
+            <a:r>
+              <a:rPr lang="es-ES" dirty="0" smtClean="0"/>
+              <a:t>Resultado</a:t>
+            </a:r>
+          </a:p>
+          <a:p>
+            <a:pPr>
+              <a:buFont typeface="Wingdings" panose="05000000000000000000" pitchFamily="2" charset="2"/>
+              <a:buChar char="§"/>
+            </a:pPr>
+            <a:r>
+              <a:rPr lang="es-ES" dirty="0" smtClean="0"/>
+              <a:t>Conclusiones</a:t>
+            </a:r>
+            <a:endParaRPr lang="es-ES" dirty="0"/>
+          </a:p>
+        </p:txBody>
+      </p:sp>
       <p:sp>
         <p:nvSpPr>
           <p:cNvPr id="4" name="3 CuadroTexto"/>
@@ -6025,8 +6154,8 @@
         </p:nvSpPr>
         <p:spPr>
           <a:xfrm>
-            <a:off x="1928710" y="5454594"/>
-            <a:ext cx="6387686" cy="769441"/>
+            <a:off x="683568" y="728789"/>
+            <a:ext cx="8731299" cy="830997"/>
           </a:xfrm>
           <a:prstGeom prst="rect">
             <a:avLst/>
@@ -6040,17 +6169,21 @@
           <a:lstStyle/>
           <a:p>
             <a:r>
-              <a:rPr lang="es-ES" sz="4400" dirty="0" smtClean="0"/>
-              <a:t>Comunidad de usuarios</a:t>
-            </a:r>
-            <a:endParaRPr lang="es-ES" sz="4400" dirty="0"/>
+              <a:rPr lang="es-ES" sz="4800" b="1" dirty="0" smtClean="0">
+                <a:latin typeface="+mj-lt"/>
+              </a:rPr>
+              <a:t>ÍNDICE</a:t>
+            </a:r>
+            <a:endParaRPr lang="es-ES" sz="4800" b="1" dirty="0">
+              <a:latin typeface="+mj-lt"/>
+            </a:endParaRPr>
           </a:p>
         </p:txBody>
       </p:sp>
     </p:spTree>
     <p:extLst>
       <p:ext uri="{BB962C8B-B14F-4D97-AF65-F5344CB8AC3E}">
-        <p14:creationId xmlns:p14="http://schemas.microsoft.com/office/powerpoint/2010/main" val="873934713"/>
+        <p14:creationId xmlns:p14="http://schemas.microsoft.com/office/powerpoint/2010/main" val="3985035824"/>
       </p:ext>
     </p:extLst>
   </p:cSld>
@@ -6084,175 +6217,10 @@
           <a:chExt cx="0" cy="0"/>
         </a:xfrm>
       </p:grpSpPr>
-      <p:sp>
-        <p:nvSpPr>
-          <p:cNvPr id="3" name="2 Marcador de contenido"/>
-          <p:cNvSpPr>
-            <a:spLocks noGrp="1"/>
-          </p:cNvSpPr>
-          <p:nvPr>
-            <p:ph idx="1"/>
-          </p:nvPr>
-        </p:nvSpPr>
-        <p:spPr>
-          <a:xfrm>
-            <a:off x="539552" y="1628800"/>
-            <a:ext cx="8229600" cy="4525963"/>
-          </a:xfrm>
-        </p:spPr>
-        <p:txBody>
-          <a:bodyPr>
-            <a:normAutofit lnSpcReduction="10000"/>
-          </a:bodyPr>
-          <a:lstStyle/>
-          <a:p>
-            <a:pPr>
-              <a:buFont typeface="Wingdings" panose="05000000000000000000" pitchFamily="2" charset="2"/>
-              <a:buChar char="§"/>
-            </a:pPr>
-            <a:r>
-              <a:rPr lang="es-ES" dirty="0" smtClean="0"/>
-              <a:t>¿Qué es </a:t>
-            </a:r>
-            <a:r>
-              <a:rPr lang="es-ES" dirty="0" err="1" smtClean="0"/>
-              <a:t>Predictorum</a:t>
-            </a:r>
-            <a:r>
-              <a:rPr lang="es-ES" dirty="0" smtClean="0"/>
-              <a:t>?</a:t>
-            </a:r>
-          </a:p>
-          <a:p>
-            <a:pPr>
-              <a:buFont typeface="Wingdings" panose="05000000000000000000" pitchFamily="2" charset="2"/>
-              <a:buChar char="§"/>
-            </a:pPr>
-            <a:r>
-              <a:rPr lang="es-ES" b="1" dirty="0" smtClean="0">
-                <a:solidFill>
-                  <a:srgbClr val="92D050"/>
-                </a:solidFill>
-              </a:rPr>
-              <a:t>Detalles técnicos</a:t>
-            </a:r>
-          </a:p>
-          <a:p>
-            <a:pPr lvl="1">
-              <a:buFont typeface="Wingdings" panose="05000000000000000000" pitchFamily="2" charset="2"/>
-              <a:buChar char="§"/>
-            </a:pPr>
-            <a:r>
-              <a:rPr lang="es-ES" b="1" dirty="0" smtClean="0">
-                <a:solidFill>
-                  <a:srgbClr val="92D050"/>
-                </a:solidFill>
-              </a:rPr>
-              <a:t>Planificación</a:t>
-            </a:r>
-          </a:p>
-          <a:p>
-            <a:pPr lvl="1">
-              <a:buFont typeface="Wingdings" panose="05000000000000000000" pitchFamily="2" charset="2"/>
-              <a:buChar char="§"/>
-            </a:pPr>
-            <a:r>
-              <a:rPr lang="es-ES" dirty="0" smtClean="0"/>
-              <a:t>Requisitos</a:t>
-            </a:r>
-          </a:p>
-          <a:p>
-            <a:pPr lvl="1">
-              <a:buFont typeface="Wingdings" panose="05000000000000000000" pitchFamily="2" charset="2"/>
-              <a:buChar char="§"/>
-            </a:pPr>
-            <a:r>
-              <a:rPr lang="es-ES" dirty="0" smtClean="0"/>
-              <a:t>Análisis</a:t>
-            </a:r>
-          </a:p>
-          <a:p>
-            <a:pPr lvl="1">
-              <a:buFont typeface="Wingdings" panose="05000000000000000000" pitchFamily="2" charset="2"/>
-              <a:buChar char="§"/>
-            </a:pPr>
-            <a:r>
-              <a:rPr lang="es-ES" dirty="0" smtClean="0"/>
-              <a:t>Diseño</a:t>
-            </a:r>
-          </a:p>
-          <a:p>
-            <a:pPr lvl="1">
-              <a:buFont typeface="Wingdings" panose="05000000000000000000" pitchFamily="2" charset="2"/>
-              <a:buChar char="§"/>
-            </a:pPr>
-            <a:r>
-              <a:rPr lang="es-ES" dirty="0" smtClean="0"/>
-              <a:t>Implementación</a:t>
-            </a:r>
-            <a:endParaRPr lang="es-ES" dirty="0"/>
-          </a:p>
-          <a:p>
-            <a:pPr>
-              <a:buFont typeface="Wingdings" panose="05000000000000000000" pitchFamily="2" charset="2"/>
-              <a:buChar char="§"/>
-            </a:pPr>
-            <a:r>
-              <a:rPr lang="es-ES" dirty="0" smtClean="0"/>
-              <a:t>Resultado</a:t>
-            </a:r>
-          </a:p>
-          <a:p>
-            <a:pPr>
-              <a:buFont typeface="Wingdings" panose="05000000000000000000" pitchFamily="2" charset="2"/>
-              <a:buChar char="§"/>
-            </a:pPr>
-            <a:r>
-              <a:rPr lang="es-ES" dirty="0" smtClean="0"/>
-              <a:t>Conclusiones</a:t>
-            </a:r>
-            <a:endParaRPr lang="es-ES" dirty="0"/>
-          </a:p>
-        </p:txBody>
-      </p:sp>
-      <p:sp>
-        <p:nvSpPr>
-          <p:cNvPr id="4" name="3 CuadroTexto"/>
-          <p:cNvSpPr txBox="1"/>
-          <p:nvPr/>
-        </p:nvSpPr>
-        <p:spPr>
-          <a:xfrm>
-            <a:off x="683568" y="728789"/>
-            <a:ext cx="8731299" cy="830997"/>
-          </a:xfrm>
-          <a:prstGeom prst="rect">
-            <a:avLst/>
-          </a:prstGeom>
-          <a:noFill/>
-        </p:spPr>
-        <p:txBody>
-          <a:bodyPr wrap="square" rtlCol="0">
-            <a:spAutoFit/>
-          </a:bodyPr>
-          <a:lstStyle/>
-          <a:p>
-            <a:r>
-              <a:rPr lang="es-ES" sz="4800" b="1" dirty="0" smtClean="0">
-                <a:latin typeface="+mj-lt"/>
-              </a:rPr>
-              <a:t>ÍNDICE</a:t>
-            </a:r>
-            <a:endParaRPr lang="es-ES" sz="4800" b="1" dirty="0">
-              <a:latin typeface="+mj-lt"/>
-            </a:endParaRPr>
-          </a:p>
-        </p:txBody>
-      </p:sp>
     </p:spTree>
     <p:extLst>
       <p:ext uri="{BB962C8B-B14F-4D97-AF65-F5344CB8AC3E}">
-        <p14:creationId xmlns:p14="http://schemas.microsoft.com/office/powerpoint/2010/main" val="3985035824"/>
+        <p14:creationId xmlns:p14="http://schemas.microsoft.com/office/powerpoint/2010/main" val="2710876733"/>
       </p:ext>
     </p:extLst>
   </p:cSld>
@@ -6286,10 +6254,175 @@
           <a:chExt cx="0" cy="0"/>
         </a:xfrm>
       </p:grpSpPr>
+      <p:sp>
+        <p:nvSpPr>
+          <p:cNvPr id="3" name="2 Marcador de contenido"/>
+          <p:cNvSpPr>
+            <a:spLocks noGrp="1"/>
+          </p:cNvSpPr>
+          <p:nvPr>
+            <p:ph idx="1"/>
+          </p:nvPr>
+        </p:nvSpPr>
+        <p:spPr>
+          <a:xfrm>
+            <a:off x="539552" y="1628800"/>
+            <a:ext cx="8229600" cy="4525963"/>
+          </a:xfrm>
+        </p:spPr>
+        <p:txBody>
+          <a:bodyPr>
+            <a:normAutofit lnSpcReduction="10000"/>
+          </a:bodyPr>
+          <a:lstStyle/>
+          <a:p>
+            <a:pPr>
+              <a:buFont typeface="Wingdings" panose="05000000000000000000" pitchFamily="2" charset="2"/>
+              <a:buChar char="§"/>
+            </a:pPr>
+            <a:r>
+              <a:rPr lang="es-ES" dirty="0" smtClean="0"/>
+              <a:t>¿Qué es </a:t>
+            </a:r>
+            <a:r>
+              <a:rPr lang="es-ES" dirty="0" err="1" smtClean="0"/>
+              <a:t>Predictorum</a:t>
+            </a:r>
+            <a:r>
+              <a:rPr lang="es-ES" dirty="0" smtClean="0"/>
+              <a:t>?</a:t>
+            </a:r>
+          </a:p>
+          <a:p>
+            <a:pPr>
+              <a:buFont typeface="Wingdings" panose="05000000000000000000" pitchFamily="2" charset="2"/>
+              <a:buChar char="§"/>
+            </a:pPr>
+            <a:r>
+              <a:rPr lang="es-ES" b="1" dirty="0" smtClean="0">
+                <a:solidFill>
+                  <a:srgbClr val="92D050"/>
+                </a:solidFill>
+              </a:rPr>
+              <a:t>Detalles técnicos</a:t>
+            </a:r>
+          </a:p>
+          <a:p>
+            <a:pPr lvl="1">
+              <a:buFont typeface="Wingdings" panose="05000000000000000000" pitchFamily="2" charset="2"/>
+              <a:buChar char="§"/>
+            </a:pPr>
+            <a:r>
+              <a:rPr lang="es-ES" dirty="0" smtClean="0"/>
+              <a:t>Planificación</a:t>
+            </a:r>
+          </a:p>
+          <a:p>
+            <a:pPr lvl="1">
+              <a:buFont typeface="Wingdings" panose="05000000000000000000" pitchFamily="2" charset="2"/>
+              <a:buChar char="§"/>
+            </a:pPr>
+            <a:r>
+              <a:rPr lang="es-ES" b="1" dirty="0" smtClean="0">
+                <a:solidFill>
+                  <a:srgbClr val="92D050"/>
+                </a:solidFill>
+              </a:rPr>
+              <a:t>Requisitos</a:t>
+            </a:r>
+          </a:p>
+          <a:p>
+            <a:pPr lvl="1">
+              <a:buFont typeface="Wingdings" panose="05000000000000000000" pitchFamily="2" charset="2"/>
+              <a:buChar char="§"/>
+            </a:pPr>
+            <a:r>
+              <a:rPr lang="es-ES" dirty="0" smtClean="0"/>
+              <a:t>Análisis</a:t>
+            </a:r>
+          </a:p>
+          <a:p>
+            <a:pPr lvl="1">
+              <a:buFont typeface="Wingdings" panose="05000000000000000000" pitchFamily="2" charset="2"/>
+              <a:buChar char="§"/>
+            </a:pPr>
+            <a:r>
+              <a:rPr lang="es-ES" dirty="0" smtClean="0"/>
+              <a:t>Diseño</a:t>
+            </a:r>
+          </a:p>
+          <a:p>
+            <a:pPr lvl="1">
+              <a:buFont typeface="Wingdings" panose="05000000000000000000" pitchFamily="2" charset="2"/>
+              <a:buChar char="§"/>
+            </a:pPr>
+            <a:r>
+              <a:rPr lang="es-ES" dirty="0" smtClean="0"/>
+              <a:t>Implementación</a:t>
+            </a:r>
+            <a:endParaRPr lang="es-ES" dirty="0"/>
+          </a:p>
+          <a:p>
+            <a:pPr>
+              <a:buFont typeface="Wingdings" panose="05000000000000000000" pitchFamily="2" charset="2"/>
+              <a:buChar char="§"/>
+            </a:pPr>
+            <a:r>
+              <a:rPr lang="es-ES" dirty="0" smtClean="0"/>
+              <a:t>Resultado</a:t>
+            </a:r>
+          </a:p>
+          <a:p>
+            <a:pPr>
+              <a:buFont typeface="Wingdings" panose="05000000000000000000" pitchFamily="2" charset="2"/>
+              <a:buChar char="§"/>
+            </a:pPr>
+            <a:r>
+              <a:rPr lang="es-ES" dirty="0" smtClean="0"/>
+              <a:t>Conclusiones</a:t>
+            </a:r>
+            <a:endParaRPr lang="es-ES" dirty="0"/>
+          </a:p>
+        </p:txBody>
+      </p:sp>
+      <p:sp>
+        <p:nvSpPr>
+          <p:cNvPr id="4" name="3 CuadroTexto"/>
+          <p:cNvSpPr txBox="1"/>
+          <p:nvPr/>
+        </p:nvSpPr>
+        <p:spPr>
+          <a:xfrm>
+            <a:off x="683568" y="728789"/>
+            <a:ext cx="8731299" cy="830997"/>
+          </a:xfrm>
+          <a:prstGeom prst="rect">
+            <a:avLst/>
+          </a:prstGeom>
+          <a:noFill/>
+        </p:spPr>
+        <p:txBody>
+          <a:bodyPr wrap="square" rtlCol="0">
+            <a:spAutoFit/>
+          </a:bodyPr>
+          <a:lstStyle/>
+          <a:p>
+            <a:r>
+              <a:rPr lang="es-ES" sz="4800" b="1" dirty="0" smtClean="0">
+                <a:latin typeface="+mj-lt"/>
+              </a:rPr>
+              <a:t>ÍNDICE</a:t>
+            </a:r>
+            <a:endParaRPr lang="es-ES" sz="4800" b="1" dirty="0">
+              <a:latin typeface="+mj-lt"/>
+            </a:endParaRPr>
+          </a:p>
+        </p:txBody>
+      </p:sp>
     </p:spTree>
     <p:extLst>
       <p:ext uri="{BB962C8B-B14F-4D97-AF65-F5344CB8AC3E}">
-        <p14:creationId xmlns:p14="http://schemas.microsoft.com/office/powerpoint/2010/main" val="2710876733"/>
+        <p14:creationId xmlns:p14="http://schemas.microsoft.com/office/powerpoint/2010/main" val="2092746553"/>
       </p:ext>
     </p:extLst>
   </p:cSld>
